--- a/Group 5 Presentation.pptx
+++ b/Group 5 Presentation.pptx
@@ -10,11 +10,11 @@
   <p:sldIdLst>
     <p:sldId id="256" r:id="rId2"/>
     <p:sldId id="258" r:id="rId3"/>
-    <p:sldId id="260" r:id="rId4"/>
+    <p:sldId id="259" r:id="rId4"/>
     <p:sldId id="264" r:id="rId5"/>
-    <p:sldId id="259" r:id="rId6"/>
-    <p:sldId id="262" r:id="rId7"/>
-    <p:sldId id="263" r:id="rId8"/>
+    <p:sldId id="262" r:id="rId6"/>
+    <p:sldId id="263" r:id="rId7"/>
+    <p:sldId id="265" r:id="rId8"/>
   </p:sldIdLst>
   <p:sldSz cx="9144000" cy="5143500" type="screen16x9"/>
   <p:notesSz cx="6858000" cy="9144000"/>
@@ -253,6 +253,197 @@
     </p:ext>
   </p:extLst>
 </p:presentation>
+</file>
+
+<file path=ppt/revisionInfo.xml><?xml version="1.0" encoding="utf-8"?>
+<p1510:revInfo xmlns:a="http://schemas.openxmlformats.org/drawingml/2006/main" xmlns:r="http://schemas.openxmlformats.org/officeDocument/2006/relationships" xmlns:p1510="http://schemas.microsoft.com/office/powerpoint/2015/10/main">
+  <p1510:revLst>
+    <p1510:client id="{893224A0-A878-4131-98A6-7DAF10E9EDA8}" v="3" dt="2022-07-13T12:28:19.146"/>
+  </p1510:revLst>
+</p1510:revInfo>
+</file>
+
+<file path=ppt/changesInfos/changesInfo1.xml><?xml version="1.0" encoding="utf-8"?>
+<pc:chgInfo xmlns:a="http://schemas.openxmlformats.org/drawingml/2006/main" xmlns:r="http://schemas.openxmlformats.org/officeDocument/2006/relationships" xmlns:ac="http://schemas.microsoft.com/office/drawing/2013/main/command" xmlns:pc="http://schemas.microsoft.com/office/powerpoint/2013/main/command">
+  <pc:docChgLst>
+    <pc:chgData name="Matthew Lewis" userId="66f1d89555a33060" providerId="LiveId" clId="{893224A0-A878-4131-98A6-7DAF10E9EDA8}"/>
+    <pc:docChg chg="undo custSel addSld delSld modSld sldOrd">
+      <pc:chgData name="Matthew Lewis" userId="66f1d89555a33060" providerId="LiveId" clId="{893224A0-A878-4131-98A6-7DAF10E9EDA8}" dt="2022-07-13T12:29:51.170" v="895" actId="20577"/>
+      <pc:docMkLst>
+        <pc:docMk/>
+      </pc:docMkLst>
+      <pc:sldChg chg="modSp mod">
+        <pc:chgData name="Matthew Lewis" userId="66f1d89555a33060" providerId="LiveId" clId="{893224A0-A878-4131-98A6-7DAF10E9EDA8}" dt="2022-07-13T12:29:14.681" v="891" actId="20577"/>
+        <pc:sldMkLst>
+          <pc:docMk/>
+          <pc:sldMk cId="0" sldId="258"/>
+        </pc:sldMkLst>
+        <pc:spChg chg="mod">
+          <ac:chgData name="Matthew Lewis" userId="66f1d89555a33060" providerId="LiveId" clId="{893224A0-A878-4131-98A6-7DAF10E9EDA8}" dt="2022-07-13T12:29:14.681" v="891" actId="20577"/>
+          <ac:spMkLst>
+            <pc:docMk/>
+            <pc:sldMk cId="0" sldId="258"/>
+            <ac:spMk id="66" creationId="{00000000-0000-0000-0000-000000000000}"/>
+          </ac:spMkLst>
+        </pc:spChg>
+      </pc:sldChg>
+      <pc:sldChg chg="modSp mod ord modNotesTx">
+        <pc:chgData name="Matthew Lewis" userId="66f1d89555a33060" providerId="LiveId" clId="{893224A0-A878-4131-98A6-7DAF10E9EDA8}" dt="2022-07-13T11:55:38.644" v="45"/>
+        <pc:sldMkLst>
+          <pc:docMk/>
+          <pc:sldMk cId="0" sldId="259"/>
+        </pc:sldMkLst>
+        <pc:spChg chg="mod">
+          <ac:chgData name="Matthew Lewis" userId="66f1d89555a33060" providerId="LiveId" clId="{893224A0-A878-4131-98A6-7DAF10E9EDA8}" dt="2022-07-13T11:55:27.401" v="43" actId="20577"/>
+          <ac:spMkLst>
+            <pc:docMk/>
+            <pc:sldMk cId="0" sldId="259"/>
+            <ac:spMk id="71" creationId="{00000000-0000-0000-0000-000000000000}"/>
+          </ac:spMkLst>
+        </pc:spChg>
+      </pc:sldChg>
+      <pc:sldChg chg="modSp del mod">
+        <pc:chgData name="Matthew Lewis" userId="66f1d89555a33060" providerId="LiveId" clId="{893224A0-A878-4131-98A6-7DAF10E9EDA8}" dt="2022-07-13T11:55:43.927" v="46" actId="2696"/>
+        <pc:sldMkLst>
+          <pc:docMk/>
+          <pc:sldMk cId="0" sldId="260"/>
+        </pc:sldMkLst>
+        <pc:spChg chg="mod">
+          <ac:chgData name="Matthew Lewis" userId="66f1d89555a33060" providerId="LiveId" clId="{893224A0-A878-4131-98A6-7DAF10E9EDA8}" dt="2022-07-13T11:55:34.724" v="44" actId="21"/>
+          <ac:spMkLst>
+            <pc:docMk/>
+            <pc:sldMk cId="0" sldId="260"/>
+            <ac:spMk id="78" creationId="{00000000-0000-0000-0000-000000000000}"/>
+          </ac:spMkLst>
+        </pc:spChg>
+      </pc:sldChg>
+      <pc:sldChg chg="modSp mod">
+        <pc:chgData name="Matthew Lewis" userId="66f1d89555a33060" providerId="LiveId" clId="{893224A0-A878-4131-98A6-7DAF10E9EDA8}" dt="2022-07-13T11:33:22.878" v="25" actId="1076"/>
+        <pc:sldMkLst>
+          <pc:docMk/>
+          <pc:sldMk cId="0" sldId="262"/>
+        </pc:sldMkLst>
+        <pc:graphicFrameChg chg="modGraphic">
+          <ac:chgData name="Matthew Lewis" userId="66f1d89555a33060" providerId="LiveId" clId="{893224A0-A878-4131-98A6-7DAF10E9EDA8}" dt="2022-07-13T11:32:54.434" v="24" actId="14734"/>
+          <ac:graphicFrameMkLst>
+            <pc:docMk/>
+            <pc:sldMk cId="0" sldId="262"/>
+            <ac:graphicFrameMk id="2" creationId="{24127B30-FF39-7DCC-4C62-FD7853D1398E}"/>
+          </ac:graphicFrameMkLst>
+        </pc:graphicFrameChg>
+        <pc:graphicFrameChg chg="mod">
+          <ac:chgData name="Matthew Lewis" userId="66f1d89555a33060" providerId="LiveId" clId="{893224A0-A878-4131-98A6-7DAF10E9EDA8}" dt="2022-07-13T11:33:22.878" v="25" actId="1076"/>
+          <ac:graphicFrameMkLst>
+            <pc:docMk/>
+            <pc:sldMk cId="0" sldId="262"/>
+            <ac:graphicFrameMk id="8" creationId="{B2298B0A-8884-CFEE-B366-E0C762394723}"/>
+          </ac:graphicFrameMkLst>
+        </pc:graphicFrameChg>
+      </pc:sldChg>
+      <pc:sldChg chg="modSp mod">
+        <pc:chgData name="Matthew Lewis" userId="66f1d89555a33060" providerId="LiveId" clId="{893224A0-A878-4131-98A6-7DAF10E9EDA8}" dt="2022-07-13T12:13:24.405" v="157" actId="20577"/>
+        <pc:sldMkLst>
+          <pc:docMk/>
+          <pc:sldMk cId="0" sldId="263"/>
+        </pc:sldMkLst>
+        <pc:spChg chg="mod">
+          <ac:chgData name="Matthew Lewis" userId="66f1d89555a33060" providerId="LiveId" clId="{893224A0-A878-4131-98A6-7DAF10E9EDA8}" dt="2022-07-13T12:13:24.405" v="157" actId="20577"/>
+          <ac:spMkLst>
+            <pc:docMk/>
+            <pc:sldMk cId="0" sldId="263"/>
+            <ac:spMk id="95" creationId="{00000000-0000-0000-0000-000000000000}"/>
+          </ac:spMkLst>
+        </pc:spChg>
+      </pc:sldChg>
+      <pc:sldChg chg="modSp mod">
+        <pc:chgData name="Matthew Lewis" userId="66f1d89555a33060" providerId="LiveId" clId="{893224A0-A878-4131-98A6-7DAF10E9EDA8}" dt="2022-07-13T12:29:51.170" v="895" actId="20577"/>
+        <pc:sldMkLst>
+          <pc:docMk/>
+          <pc:sldMk cId="3383925832" sldId="264"/>
+        </pc:sldMkLst>
+        <pc:spChg chg="mod">
+          <ac:chgData name="Matthew Lewis" userId="66f1d89555a33060" providerId="LiveId" clId="{893224A0-A878-4131-98A6-7DAF10E9EDA8}" dt="2022-07-13T11:58:39.922" v="120" actId="6549"/>
+          <ac:spMkLst>
+            <pc:docMk/>
+            <pc:sldMk cId="3383925832" sldId="264"/>
+            <ac:spMk id="4" creationId="{E4A06C9A-299B-D72B-7E1E-DC3F3B86C0E7}"/>
+          </ac:spMkLst>
+        </pc:spChg>
+        <pc:spChg chg="mod">
+          <ac:chgData name="Matthew Lewis" userId="66f1d89555a33060" providerId="LiveId" clId="{893224A0-A878-4131-98A6-7DAF10E9EDA8}" dt="2022-07-13T12:29:51.170" v="895" actId="20577"/>
+          <ac:spMkLst>
+            <pc:docMk/>
+            <pc:sldMk cId="3383925832" sldId="264"/>
+            <ac:spMk id="5" creationId="{01ACA4A1-9F2E-BE9D-E422-E8A539EEB017}"/>
+          </ac:spMkLst>
+        </pc:spChg>
+      </pc:sldChg>
+      <pc:sldChg chg="addSp delSp modSp new mod modClrScheme chgLayout">
+        <pc:chgData name="Matthew Lewis" userId="66f1d89555a33060" providerId="LiveId" clId="{893224A0-A878-4131-98A6-7DAF10E9EDA8}" dt="2022-07-13T12:14:58.981" v="179" actId="1076"/>
+        <pc:sldMkLst>
+          <pc:docMk/>
+          <pc:sldMk cId="3395523222" sldId="265"/>
+        </pc:sldMkLst>
+        <pc:spChg chg="del mod ord">
+          <ac:chgData name="Matthew Lewis" userId="66f1d89555a33060" providerId="LiveId" clId="{893224A0-A878-4131-98A6-7DAF10E9EDA8}" dt="2022-07-13T12:14:08.640" v="159" actId="700"/>
+          <ac:spMkLst>
+            <pc:docMk/>
+            <pc:sldMk cId="3395523222" sldId="265"/>
+            <ac:spMk id="2" creationId="{079291AE-7F1A-1F5F-187D-75665F6A58FD}"/>
+          </ac:spMkLst>
+        </pc:spChg>
+        <pc:spChg chg="del">
+          <ac:chgData name="Matthew Lewis" userId="66f1d89555a33060" providerId="LiveId" clId="{893224A0-A878-4131-98A6-7DAF10E9EDA8}" dt="2022-07-13T12:14:08.640" v="159" actId="700"/>
+          <ac:spMkLst>
+            <pc:docMk/>
+            <pc:sldMk cId="3395523222" sldId="265"/>
+            <ac:spMk id="3" creationId="{0862E0AE-BBE9-5042-A7B8-F64372A05CC1}"/>
+          </ac:spMkLst>
+        </pc:spChg>
+        <pc:spChg chg="add del mod ord">
+          <ac:chgData name="Matthew Lewis" userId="66f1d89555a33060" providerId="LiveId" clId="{893224A0-A878-4131-98A6-7DAF10E9EDA8}" dt="2022-07-13T12:14:14.614" v="160" actId="700"/>
+          <ac:spMkLst>
+            <pc:docMk/>
+            <pc:sldMk cId="3395523222" sldId="265"/>
+            <ac:spMk id="4" creationId="{85473D51-96BD-B352-ECB3-15682BBC8604}"/>
+          </ac:spMkLst>
+        </pc:spChg>
+        <pc:spChg chg="add del mod ord">
+          <ac:chgData name="Matthew Lewis" userId="66f1d89555a33060" providerId="LiveId" clId="{893224A0-A878-4131-98A6-7DAF10E9EDA8}" dt="2022-07-13T12:14:34.956" v="161" actId="700"/>
+          <ac:spMkLst>
+            <pc:docMk/>
+            <pc:sldMk cId="3395523222" sldId="265"/>
+            <ac:spMk id="5" creationId="{6FE34F45-B260-DDA8-E741-5E07AB2C2738}"/>
+          </ac:spMkLst>
+        </pc:spChg>
+        <pc:spChg chg="add del mod ord">
+          <ac:chgData name="Matthew Lewis" userId="66f1d89555a33060" providerId="LiveId" clId="{893224A0-A878-4131-98A6-7DAF10E9EDA8}" dt="2022-07-13T12:14:34.956" v="161" actId="700"/>
+          <ac:spMkLst>
+            <pc:docMk/>
+            <pc:sldMk cId="3395523222" sldId="265"/>
+            <ac:spMk id="6" creationId="{AE699E4D-ED73-494A-FE13-076F10F82C62}"/>
+          </ac:spMkLst>
+        </pc:spChg>
+        <pc:spChg chg="add mod ord">
+          <ac:chgData name="Matthew Lewis" userId="66f1d89555a33060" providerId="LiveId" clId="{893224A0-A878-4131-98A6-7DAF10E9EDA8}" dt="2022-07-13T12:14:58.981" v="179" actId="1076"/>
+          <ac:spMkLst>
+            <pc:docMk/>
+            <pc:sldMk cId="3395523222" sldId="265"/>
+            <ac:spMk id="7" creationId="{B7E63DD8-0409-E536-429C-CD6D99B85200}"/>
+          </ac:spMkLst>
+        </pc:spChg>
+        <pc:spChg chg="add del mod ord">
+          <ac:chgData name="Matthew Lewis" userId="66f1d89555a33060" providerId="LiveId" clId="{893224A0-A878-4131-98A6-7DAF10E9EDA8}" dt="2022-07-13T12:14:38.215" v="162" actId="478"/>
+          <ac:spMkLst>
+            <pc:docMk/>
+            <pc:sldMk cId="3395523222" sldId="265"/>
+            <ac:spMk id="8" creationId="{969B563A-F269-59E4-7E4F-34BBB228BE52}"/>
+          </ac:spMkLst>
+        </pc:spChg>
+      </pc:sldChg>
+    </pc:docChg>
+  </pc:docChgLst>
+</pc:chgInfo>
 </file>
 
 <file path=ppt/charts/chart1.xml><?xml version="1.0" encoding="utf-8"?>
@@ -2157,110 +2348,6 @@
   <p:cSld>
     <p:spTree>
       <p:nvGrpSpPr>
-        <p:cNvPr id="1" name="Shape 73"/>
-        <p:cNvGrpSpPr/>
-        <p:nvPr/>
-      </p:nvGrpSpPr>
-      <p:grpSpPr>
-        <a:xfrm>
-          <a:off x="0" y="0"/>
-          <a:ext cx="0" cy="0"/>
-          <a:chOff x="0" y="0"/>
-          <a:chExt cx="0" cy="0"/>
-        </a:xfrm>
-      </p:grpSpPr>
-      <p:sp>
-        <p:nvSpPr>
-          <p:cNvPr id="74" name="Google Shape;74;g29f43f0a72_0_5:notes"/>
-          <p:cNvSpPr>
-            <a:spLocks noGrp="1" noRot="1" noChangeAspect="1"/>
-          </p:cNvSpPr>
-          <p:nvPr>
-            <p:ph type="sldImg" idx="2"/>
-          </p:nvPr>
-        </p:nvSpPr>
-        <p:spPr>
-          <a:xfrm>
-            <a:off x="381000" y="685800"/>
-            <a:ext cx="6096000" cy="3429000"/>
-          </a:xfrm>
-          <a:custGeom>
-            <a:avLst/>
-            <a:gdLst/>
-            <a:ahLst/>
-            <a:cxnLst/>
-            <a:rect l="l" t="t" r="r" b="b"/>
-            <a:pathLst>
-              <a:path w="120000" h="120000" extrusionOk="0">
-                <a:moveTo>
-                  <a:pt x="0" y="0"/>
-                </a:moveTo>
-                <a:lnTo>
-                  <a:pt x="120000" y="0"/>
-                </a:lnTo>
-                <a:lnTo>
-                  <a:pt x="120000" y="120000"/>
-                </a:lnTo>
-                <a:lnTo>
-                  <a:pt x="0" y="120000"/>
-                </a:lnTo>
-                <a:close/>
-              </a:path>
-            </a:pathLst>
-          </a:custGeom>
-        </p:spPr>
-      </p:sp>
-      <p:sp>
-        <p:nvSpPr>
-          <p:cNvPr id="75" name="Google Shape;75;g29f43f0a72_0_5:notes"/>
-          <p:cNvSpPr txBox="1">
-            <a:spLocks noGrp="1"/>
-          </p:cNvSpPr>
-          <p:nvPr>
-            <p:ph type="body" idx="1"/>
-          </p:nvPr>
-        </p:nvSpPr>
-        <p:spPr>
-          <a:xfrm>
-            <a:off x="685800" y="4343400"/>
-            <a:ext cx="5486400" cy="4114800"/>
-          </a:xfrm>
-          <a:prstGeom prst="rect">
-            <a:avLst/>
-          </a:prstGeom>
-        </p:spPr>
-        <p:txBody>
-          <a:bodyPr spcFirstLastPara="1" wrap="square" lIns="91425" tIns="91425" rIns="91425" bIns="91425" anchor="t" anchorCtr="0">
-            <a:noAutofit/>
-          </a:bodyPr>
-          <a:lstStyle/>
-          <a:p>
-            <a:pPr marL="0" lvl="0" indent="0" algn="l" rtl="0">
-              <a:spcBef>
-                <a:spcPts val="0"/>
-              </a:spcBef>
-              <a:spcAft>
-                <a:spcPts val="0"/>
-              </a:spcAft>
-              <a:buNone/>
-            </a:pPr>
-            <a:endParaRPr/>
-          </a:p>
-        </p:txBody>
-      </p:sp>
-    </p:spTree>
-  </p:cSld>
-  <p:clrMapOvr>
-    <a:masterClrMapping/>
-  </p:clrMapOvr>
-</p:notes>
-</file>
-
-<file path=ppt/notesSlides/notesSlide4.xml><?xml version="1.0" encoding="utf-8"?>
-<p:notes xmlns:a="http://schemas.openxmlformats.org/drawingml/2006/main" xmlns:r="http://schemas.openxmlformats.org/officeDocument/2006/relationships" xmlns:p="http://schemas.openxmlformats.org/presentationml/2006/main" showMasterSp="0" showMasterPhAnim="0">
-  <p:cSld>
-    <p:spTree>
-      <p:nvGrpSpPr>
         <p:cNvPr id="1" name="Shape 67"/>
         <p:cNvGrpSpPr/>
         <p:nvPr/>
@@ -2339,83 +2426,103 @@
           </a:bodyPr>
           <a:lstStyle/>
           <a:p>
-            <a:pPr marL="0" lvl="0" indent="0" algn="l" rtl="0">
-              <a:spcBef>
-                <a:spcPts val="0"/>
-              </a:spcBef>
-              <a:spcAft>
-                <a:spcPts val="0"/>
-              </a:spcAft>
-              <a:buNone/>
+            <a:pPr marL="457200" lvl="0" indent="-342900" algn="l" rtl="0">
+              <a:spcBef>
+                <a:spcPts val="0"/>
+              </a:spcBef>
+              <a:spcAft>
+                <a:spcPts val="0"/>
+              </a:spcAft>
+              <a:buSzPts val="1800"/>
+              <a:buChar char="●"/>
             </a:pPr>
             <a:r>
-              <a:rPr lang="en-AU" dirty="0"/>
-              <a:t>Dashboard</a:t>
+              <a:rPr lang="en-AU" dirty="0">
+                <a:solidFill>
+                  <a:schemeClr val="tx1"/>
+                </a:solidFill>
+              </a:rPr>
+              <a:t>Yahoo Finance to grab daily stock metrics</a:t>
             </a:r>
           </a:p>
           <a:p>
-            <a:pPr marL="0" lvl="0" indent="0" algn="l" rtl="0">
-              <a:spcBef>
-                <a:spcPts val="0"/>
-              </a:spcBef>
-              <a:spcAft>
-                <a:spcPts val="0"/>
-              </a:spcAft>
-              <a:buNone/>
+            <a:pPr marL="457200" lvl="0" indent="-342900" algn="l" rtl="0">
+              <a:spcBef>
+                <a:spcPts val="0"/>
+              </a:spcBef>
+              <a:spcAft>
+                <a:spcPts val="0"/>
+              </a:spcAft>
+              <a:buSzPts val="1800"/>
+              <a:buChar char="●"/>
             </a:pPr>
             <a:r>
-              <a:rPr lang="en-AU" dirty="0" err="1"/>
-              <a:t>feature_engineering</a:t>
+              <a:rPr lang="en-AU" dirty="0">
+                <a:solidFill>
+                  <a:schemeClr val="tx1"/>
+                </a:solidFill>
+              </a:rPr>
+              <a:t>Bollinger Bands and EMA Cross Strategies</a:t>
             </a:r>
-            <a:endParaRPr lang="en-AU" dirty="0"/>
           </a:p>
           <a:p>
-            <a:pPr marL="0" lvl="0" indent="0" algn="l" rtl="0">
-              <a:spcBef>
-                <a:spcPts val="0"/>
-              </a:spcBef>
-              <a:spcAft>
-                <a:spcPts val="0"/>
-              </a:spcAft>
-              <a:buNone/>
+            <a:pPr lvl="1" indent="-342900">
+              <a:spcBef>
+                <a:spcPts val="0"/>
+              </a:spcBef>
+              <a:buSzPts val="1800"/>
+              <a:buChar char="●"/>
             </a:pPr>
             <a:r>
-              <a:rPr lang="en-AU" dirty="0" err="1"/>
-              <a:t>internal_metrics_pulling</a:t>
+              <a:rPr lang="en-AU" dirty="0">
+                <a:solidFill>
+                  <a:schemeClr val="tx1"/>
+                </a:solidFill>
+              </a:rPr>
+              <a:t>Variable optimisation and negative lag</a:t>
             </a:r>
-            <a:endParaRPr lang="en-AU" dirty="0"/>
           </a:p>
           <a:p>
-            <a:pPr marL="0" lvl="0" indent="0" algn="l" rtl="0">
-              <a:spcBef>
-                <a:spcPts val="0"/>
-              </a:spcBef>
-              <a:spcAft>
-                <a:spcPts val="0"/>
-              </a:spcAft>
-              <a:buNone/>
-            </a:pPr>
             <a:r>
-              <a:rPr lang="en-AU" dirty="0" err="1"/>
-              <a:t>ML_model_code</a:t>
+              <a:rPr lang="en-AU" dirty="0">
+                <a:solidFill>
+                  <a:schemeClr val="tx1"/>
+                </a:solidFill>
+              </a:rPr>
+              <a:t>EMA proved to have superior results</a:t>
             </a:r>
-            <a:endParaRPr lang="en-AU" dirty="0"/>
           </a:p>
           <a:p>
-            <a:pPr marL="0" lvl="0" indent="0" algn="l" rtl="0">
-              <a:spcBef>
-                <a:spcPts val="0"/>
-              </a:spcBef>
-              <a:spcAft>
-                <a:spcPts val="0"/>
-              </a:spcAft>
-              <a:buNone/>
-            </a:pPr>
             <a:r>
-              <a:rPr lang="en-AU" dirty="0" err="1"/>
-              <a:t>Returns_Optimiser</a:t>
+              <a:rPr lang="en-AU" dirty="0">
+                <a:solidFill>
+                  <a:schemeClr val="tx1"/>
+                </a:solidFill>
+              </a:rPr>
+              <a:t>Optimised returns used to train ML</a:t>
             </a:r>
-            <a:endParaRPr lang="en-AU" dirty="0"/>
+          </a:p>
+          <a:p>
+            <a:pPr lvl="1"/>
+            <a:r>
+              <a:rPr lang="en-AU" dirty="0">
+                <a:solidFill>
+                  <a:schemeClr val="tx1"/>
+                </a:solidFill>
+              </a:rPr>
+              <a:t>Naive Bayes Bernoulli Classifier</a:t>
+            </a:r>
+          </a:p>
+          <a:p>
+            <a:pPr lvl="1"/>
+            <a:r>
+              <a:rPr lang="en-AU" dirty="0">
+                <a:solidFill>
+                  <a:schemeClr val="tx1"/>
+                </a:solidFill>
+              </a:rPr>
+              <a:t>Random Forrest Classifier</a:t>
+            </a:r>
           </a:p>
           <a:p>
             <a:pPr marL="0" lvl="0" indent="0" algn="l" rtl="0">
@@ -2439,7 +2546,7 @@
 </p:notes>
 </file>
 
-<file path=ppt/notesSlides/notesSlide5.xml><?xml version="1.0" encoding="utf-8"?>
+<file path=ppt/notesSlides/notesSlide4.xml><?xml version="1.0" encoding="utf-8"?>
 <p:notes xmlns:a="http://schemas.openxmlformats.org/drawingml/2006/main" xmlns:r="http://schemas.openxmlformats.org/officeDocument/2006/relationships" xmlns:p="http://schemas.openxmlformats.org/presentationml/2006/main" showMasterSp="0" showMasterPhAnim="0">
   <p:cSld>
     <p:spTree>
@@ -2543,7 +2650,7 @@
 </p:notes>
 </file>
 
-<file path=ppt/notesSlides/notesSlide6.xml><?xml version="1.0" encoding="utf-8"?>
+<file path=ppt/notesSlides/notesSlide5.xml><?xml version="1.0" encoding="utf-8"?>
 <p:notes xmlns:a="http://schemas.openxmlformats.org/drawingml/2006/main" xmlns:r="http://schemas.openxmlformats.org/officeDocument/2006/relationships" xmlns:p="http://schemas.openxmlformats.org/presentationml/2006/main" showMasterSp="0" showMasterPhAnim="0">
   <p:cSld>
     <p:spTree>
@@ -8490,39 +8597,6 @@
                   <a:schemeClr val="tx1"/>
                 </a:solidFill>
               </a:rPr>
-              <a:t>Description: </a:t>
-            </a:r>
-            <a:r>
-              <a:rPr lang="en-AU" dirty="0">
-                <a:solidFill>
-                  <a:schemeClr val="tx1"/>
-                </a:solidFill>
-              </a:rPr>
-              <a:t>Algorithmic trading of US Industry Sector ETFs</a:t>
-            </a:r>
-            <a:endParaRPr dirty="0">
-              <a:solidFill>
-                <a:schemeClr val="tx1"/>
-              </a:solidFill>
-            </a:endParaRPr>
-          </a:p>
-          <a:p>
-            <a:pPr marL="457200" lvl="0" indent="-342900" algn="l" rtl="0">
-              <a:spcBef>
-                <a:spcPts val="0"/>
-              </a:spcBef>
-              <a:spcAft>
-                <a:spcPts val="0"/>
-              </a:spcAft>
-              <a:buSzPts val="1800"/>
-              <a:buChar char="●"/>
-            </a:pPr>
-            <a:r>
-              <a:rPr lang="en-AU" b="1" dirty="0">
-                <a:solidFill>
-                  <a:schemeClr val="tx1"/>
-                </a:solidFill>
-              </a:rPr>
               <a:t>Motivation for development: </a:t>
             </a:r>
           </a:p>
@@ -8540,7 +8614,7 @@
                   <a:schemeClr val="tx1"/>
                 </a:solidFill>
               </a:rPr>
-              <a:t>Improve on Traditional Indicator Strategies buy/sell signal performance</a:t>
+              <a:t>Improve on Traditional Technical Indicator Strategies buy/sell signal performance</a:t>
             </a:r>
           </a:p>
           <a:p>
@@ -8560,7 +8634,7 @@
                   <a:schemeClr val="tx1"/>
                 </a:solidFill>
               </a:rPr>
-              <a:t>User story: </a:t>
+              <a:t>Theory:</a:t>
             </a:r>
           </a:p>
           <a:p>
@@ -8569,23 +8643,7 @@
                 <a:spcPts val="0"/>
               </a:spcBef>
               <a:buSzPts val="1800"/>
-              <a:buChar char="●"/>
-            </a:pPr>
-            <a:r>
-              <a:rPr lang="en" dirty="0">
-                <a:solidFill>
-                  <a:schemeClr val="tx1"/>
-                </a:solidFill>
-              </a:rPr>
-              <a:t>Agility in response to chaging market conditions and control of emotions</a:t>
-            </a:r>
-          </a:p>
-          <a:p>
-            <a:pPr lvl="1" indent="-342900">
-              <a:spcBef>
-                <a:spcPts val="0"/>
-              </a:spcBef>
-              <a:buSzPts val="1800"/>
+              <a:buFont typeface="Arial"/>
               <a:buChar char="●"/>
             </a:pPr>
             <a:r>
@@ -8594,17 +8652,83 @@
                   <a:schemeClr val="tx1"/>
                 </a:solidFill>
               </a:rPr>
-              <a:t>Ability to objectively quantify and identify emerging opportunities and threats</a:t>
+              <a:t>Technical indicators use recent historic data to predict buy/sell opportunities</a:t>
             </a:r>
           </a:p>
           <a:p>
+            <a:pPr lvl="1" indent="-342900">
+              <a:spcBef>
+                <a:spcPts val="0"/>
+              </a:spcBef>
+              <a:buSzPts val="1800"/>
+              <a:buFont typeface="Arial"/>
+              <a:buChar char="●"/>
+            </a:pPr>
             <a:r>
               <a:rPr lang="en-AU" dirty="0">
                 <a:solidFill>
                   <a:schemeClr val="tx1"/>
                 </a:solidFill>
               </a:rPr>
-              <a:t>25 ETFs Selected representing the 25 US industry Sectors</a:t>
+              <a:t>As the data used is historic, the signals normally occur late</a:t>
+            </a:r>
+          </a:p>
+          <a:p>
+            <a:pPr lvl="1" indent="-342900">
+              <a:spcBef>
+                <a:spcPts val="0"/>
+              </a:spcBef>
+              <a:buSzPts val="1800"/>
+              <a:buFont typeface="Arial"/>
+              <a:buChar char="●"/>
+            </a:pPr>
+            <a:r>
+              <a:rPr lang="en-AU" dirty="0">
+                <a:solidFill>
+                  <a:schemeClr val="tx1"/>
+                </a:solidFill>
+              </a:rPr>
+              <a:t>By use negative lag in post-mortem the returns can be improved (not possible in real time)</a:t>
+            </a:r>
+          </a:p>
+          <a:p>
+            <a:pPr lvl="1" indent="-342900">
+              <a:spcBef>
+                <a:spcPts val="0"/>
+              </a:spcBef>
+              <a:buSzPts val="1800"/>
+              <a:buFont typeface="Arial"/>
+              <a:buChar char="●"/>
+            </a:pPr>
+            <a:r>
+              <a:rPr lang="en-AU" dirty="0">
+                <a:solidFill>
+                  <a:schemeClr val="tx1"/>
+                </a:solidFill>
+              </a:rPr>
+              <a:t>ML may be able to learn to predict these optimised signals</a:t>
+            </a:r>
+            <a:endParaRPr lang="en" b="1" dirty="0">
+              <a:solidFill>
+                <a:schemeClr val="tx1"/>
+              </a:solidFill>
+            </a:endParaRPr>
+          </a:p>
+          <a:p>
+            <a:endParaRPr lang="en-AU" b="1" dirty="0">
+              <a:solidFill>
+                <a:schemeClr val="tx1"/>
+              </a:solidFill>
+            </a:endParaRPr>
+          </a:p>
+          <a:p>
+            <a:r>
+              <a:rPr lang="en-AU" b="1" dirty="0">
+                <a:solidFill>
+                  <a:schemeClr val="tx1"/>
+                </a:solidFill>
+              </a:rPr>
+              <a:t>25 US industry Sector ETFs</a:t>
             </a:r>
           </a:p>
           <a:p>
@@ -8678,448 +8802,6 @@
 </file>
 
 <file path=ppt/slides/slide3.xml><?xml version="1.0" encoding="utf-8"?>
-<p:sld xmlns:a="http://schemas.openxmlformats.org/drawingml/2006/main" xmlns:r="http://schemas.openxmlformats.org/officeDocument/2006/relationships" xmlns:p="http://schemas.openxmlformats.org/presentationml/2006/main">
-  <p:cSld>
-    <p:spTree>
-      <p:nvGrpSpPr>
-        <p:cNvPr id="1" name="Shape 76"/>
-        <p:cNvGrpSpPr/>
-        <p:nvPr/>
-      </p:nvGrpSpPr>
-      <p:grpSpPr>
-        <a:xfrm>
-          <a:off x="0" y="0"/>
-          <a:ext cx="0" cy="0"/>
-          <a:chOff x="0" y="0"/>
-          <a:chExt cx="0" cy="0"/>
-        </a:xfrm>
-      </p:grpSpPr>
-      <p:sp>
-        <p:nvSpPr>
-          <p:cNvPr id="77" name="Google Shape;77;p17"/>
-          <p:cNvSpPr txBox="1">
-            <a:spLocks noGrp="1"/>
-          </p:cNvSpPr>
-          <p:nvPr>
-            <p:ph type="title"/>
-          </p:nvPr>
-        </p:nvSpPr>
-        <p:spPr>
-          <a:xfrm>
-            <a:off x="311700" y="445025"/>
-            <a:ext cx="8520600" cy="572700"/>
-          </a:xfrm>
-          <a:prstGeom prst="rect">
-            <a:avLst/>
-          </a:prstGeom>
-        </p:spPr>
-        <p:txBody>
-          <a:bodyPr spcFirstLastPara="1" wrap="square" lIns="91425" tIns="91425" rIns="91425" bIns="91425" anchor="t" anchorCtr="0">
-            <a:noAutofit/>
-          </a:bodyPr>
-          <a:lstStyle/>
-          <a:p>
-            <a:pPr marL="0" lvl="0" indent="0" algn="l" rtl="0">
-              <a:spcBef>
-                <a:spcPts val="0"/>
-              </a:spcBef>
-              <a:spcAft>
-                <a:spcPts val="0"/>
-              </a:spcAft>
-              <a:buNone/>
-            </a:pPr>
-            <a:r>
-              <a:rPr lang="en" dirty="0"/>
-              <a:t>Approach</a:t>
-            </a:r>
-            <a:endParaRPr dirty="0"/>
-          </a:p>
-        </p:txBody>
-      </p:sp>
-      <p:sp>
-        <p:nvSpPr>
-          <p:cNvPr id="78" name="Google Shape;78;p17"/>
-          <p:cNvSpPr txBox="1">
-            <a:spLocks noGrp="1"/>
-          </p:cNvSpPr>
-          <p:nvPr>
-            <p:ph type="body" idx="1"/>
-          </p:nvPr>
-        </p:nvSpPr>
-        <p:spPr>
-          <a:xfrm>
-            <a:off x="311700" y="1152475"/>
-            <a:ext cx="8520600" cy="3620322"/>
-          </a:xfrm>
-          <a:prstGeom prst="rect">
-            <a:avLst/>
-          </a:prstGeom>
-        </p:spPr>
-        <p:txBody>
-          <a:bodyPr spcFirstLastPara="1" wrap="square" lIns="91425" tIns="91425" rIns="91425" bIns="91425" anchor="t" anchorCtr="0">
-            <a:noAutofit/>
-          </a:bodyPr>
-          <a:lstStyle/>
-          <a:p>
-            <a:pPr marL="457200" lvl="0" indent="-342900" algn="l" rtl="0">
-              <a:spcBef>
-                <a:spcPts val="0"/>
-              </a:spcBef>
-              <a:spcAft>
-                <a:spcPts val="0"/>
-              </a:spcAft>
-              <a:buSzPts val="1800"/>
-              <a:buChar char="●"/>
-            </a:pPr>
-            <a:r>
-              <a:rPr lang="en-AU" dirty="0">
-                <a:solidFill>
-                  <a:schemeClr val="tx1"/>
-                </a:solidFill>
-              </a:rPr>
-              <a:t>Yahoo Finance to grab daily stock metrics</a:t>
-            </a:r>
-          </a:p>
-          <a:p>
-            <a:pPr marL="457200" lvl="0" indent="-342900" algn="l" rtl="0">
-              <a:spcBef>
-                <a:spcPts val="0"/>
-              </a:spcBef>
-              <a:spcAft>
-                <a:spcPts val="0"/>
-              </a:spcAft>
-              <a:buSzPts val="1800"/>
-              <a:buChar char="●"/>
-            </a:pPr>
-            <a:r>
-              <a:rPr lang="en-AU" dirty="0">
-                <a:solidFill>
-                  <a:schemeClr val="tx1"/>
-                </a:solidFill>
-              </a:rPr>
-              <a:t>Bollinger Bands and EMA Cross Strategies</a:t>
-            </a:r>
-          </a:p>
-          <a:p>
-            <a:pPr lvl="1" indent="-342900">
-              <a:spcBef>
-                <a:spcPts val="0"/>
-              </a:spcBef>
-              <a:buSzPts val="1800"/>
-              <a:buChar char="●"/>
-            </a:pPr>
-            <a:r>
-              <a:rPr lang="en-AU" dirty="0">
-                <a:solidFill>
-                  <a:schemeClr val="tx1"/>
-                </a:solidFill>
-              </a:rPr>
-              <a:t>Variable optimisation and negative lag</a:t>
-            </a:r>
-          </a:p>
-          <a:p>
-            <a:r>
-              <a:rPr lang="en-AU" dirty="0">
-                <a:solidFill>
-                  <a:schemeClr val="tx1"/>
-                </a:solidFill>
-              </a:rPr>
-              <a:t>EMA proved to have superior results</a:t>
-            </a:r>
-          </a:p>
-          <a:p>
-            <a:r>
-              <a:rPr lang="en-AU" dirty="0">
-                <a:solidFill>
-                  <a:schemeClr val="tx1"/>
-                </a:solidFill>
-              </a:rPr>
-              <a:t>Optimised returns used to train ML</a:t>
-            </a:r>
-          </a:p>
-          <a:p>
-            <a:pPr lvl="1"/>
-            <a:r>
-              <a:rPr lang="en-AU" dirty="0">
-                <a:solidFill>
-                  <a:schemeClr val="tx1"/>
-                </a:solidFill>
-              </a:rPr>
-              <a:t>Naive Bayes Bernoulli Classifier</a:t>
-            </a:r>
-          </a:p>
-          <a:p>
-            <a:pPr lvl="1"/>
-            <a:r>
-              <a:rPr lang="en-AU" dirty="0">
-                <a:solidFill>
-                  <a:schemeClr val="tx1"/>
-                </a:solidFill>
-              </a:rPr>
-              <a:t>Random Forrest Classifier</a:t>
-            </a:r>
-          </a:p>
-          <a:p>
-            <a:pPr marL="457200" lvl="0" indent="-342900" algn="l" rtl="0">
-              <a:spcBef>
-                <a:spcPts val="0"/>
-              </a:spcBef>
-              <a:spcAft>
-                <a:spcPts val="0"/>
-              </a:spcAft>
-              <a:buSzPts val="1800"/>
-              <a:buChar char="●"/>
-            </a:pPr>
-            <a:endParaRPr lang="en-AU" dirty="0">
-              <a:solidFill>
-                <a:schemeClr val="tx1"/>
-              </a:solidFill>
-            </a:endParaRPr>
-          </a:p>
-          <a:p>
-            <a:pPr lvl="1" indent="-342900">
-              <a:spcBef>
-                <a:spcPts val="0"/>
-              </a:spcBef>
-              <a:buSzPts val="1800"/>
-              <a:buChar char="●"/>
-            </a:pPr>
-            <a:endParaRPr dirty="0">
-              <a:solidFill>
-                <a:schemeClr val="tx1"/>
-              </a:solidFill>
-            </a:endParaRPr>
-          </a:p>
-          <a:p>
-            <a:pPr marL="457200" lvl="0" indent="-342900" algn="l" rtl="0">
-              <a:spcBef>
-                <a:spcPts val="0"/>
-              </a:spcBef>
-              <a:spcAft>
-                <a:spcPts val="0"/>
-              </a:spcAft>
-              <a:buSzPts val="1800"/>
-              <a:buChar char="●"/>
-            </a:pPr>
-            <a:endParaRPr dirty="0">
-              <a:solidFill>
-                <a:schemeClr val="tx1"/>
-              </a:solidFill>
-            </a:endParaRPr>
-          </a:p>
-        </p:txBody>
-      </p:sp>
-    </p:spTree>
-  </p:cSld>
-  <p:clrMapOvr>
-    <a:masterClrMapping/>
-  </p:clrMapOvr>
-</p:sld>
-</file>
-
-<file path=ppt/slides/slide4.xml><?xml version="1.0" encoding="utf-8"?>
-<p:sld xmlns:a="http://schemas.openxmlformats.org/drawingml/2006/main" xmlns:r="http://schemas.openxmlformats.org/officeDocument/2006/relationships" xmlns:p="http://schemas.openxmlformats.org/presentationml/2006/main">
-  <p:cSld>
-    <p:spTree>
-      <p:nvGrpSpPr>
-        <p:cNvPr id="1" name=""/>
-        <p:cNvGrpSpPr/>
-        <p:nvPr/>
-      </p:nvGrpSpPr>
-      <p:grpSpPr>
-        <a:xfrm>
-          <a:off x="0" y="0"/>
-          <a:ext cx="0" cy="0"/>
-          <a:chOff x="0" y="0"/>
-          <a:chExt cx="0" cy="0"/>
-        </a:xfrm>
-      </p:grpSpPr>
-      <p:sp>
-        <p:nvSpPr>
-          <p:cNvPr id="4" name="Title 3">
-            <a:extLst>
-              <a:ext uri="{FF2B5EF4-FFF2-40B4-BE49-F238E27FC236}">
-                <a16:creationId xmlns:a16="http://schemas.microsoft.com/office/drawing/2014/main" id="{E4A06C9A-299B-D72B-7E1E-DC3F3B86C0E7}"/>
-              </a:ext>
-            </a:extLst>
-          </p:cNvPr>
-          <p:cNvSpPr>
-            <a:spLocks noGrp="1"/>
-          </p:cNvSpPr>
-          <p:nvPr>
-            <p:ph type="title"/>
-          </p:nvPr>
-        </p:nvSpPr>
-        <p:spPr/>
-        <p:txBody>
-          <a:bodyPr/>
-          <a:lstStyle/>
-          <a:p>
-            <a:r>
-              <a:rPr lang="en-AU" dirty="0"/>
-              <a:t>Challenges and Success</a:t>
-            </a:r>
-          </a:p>
-        </p:txBody>
-      </p:sp>
-      <p:sp>
-        <p:nvSpPr>
-          <p:cNvPr id="5" name="Text Placeholder 4">
-            <a:extLst>
-              <a:ext uri="{FF2B5EF4-FFF2-40B4-BE49-F238E27FC236}">
-                <a16:creationId xmlns:a16="http://schemas.microsoft.com/office/drawing/2014/main" id="{01ACA4A1-9F2E-BE9D-E422-E8A539EEB017}"/>
-              </a:ext>
-            </a:extLst>
-          </p:cNvPr>
-          <p:cNvSpPr>
-            <a:spLocks noGrp="1"/>
-          </p:cNvSpPr>
-          <p:nvPr>
-            <p:ph type="body" idx="1"/>
-          </p:nvPr>
-        </p:nvSpPr>
-        <p:spPr/>
-        <p:txBody>
-          <a:bodyPr/>
-          <a:lstStyle/>
-          <a:p>
-            <a:pPr marL="457200" lvl="0" indent="-342900" algn="l" rtl="0">
-              <a:spcBef>
-                <a:spcPts val="0"/>
-              </a:spcBef>
-              <a:spcAft>
-                <a:spcPts val="0"/>
-              </a:spcAft>
-              <a:buSzPts val="1800"/>
-              <a:buChar char="●"/>
-            </a:pPr>
-            <a:r>
-              <a:rPr lang="en-AU" dirty="0">
-                <a:solidFill>
-                  <a:schemeClr val="tx1"/>
-                </a:solidFill>
-              </a:rPr>
-              <a:t>Challenges: </a:t>
-            </a:r>
-          </a:p>
-          <a:p>
-            <a:pPr lvl="1" indent="-342900">
-              <a:spcBef>
-                <a:spcPts val="0"/>
-              </a:spcBef>
-              <a:buSzPts val="1800"/>
-              <a:buChar char="●"/>
-            </a:pPr>
-            <a:r>
-              <a:rPr lang="en-AU" dirty="0">
-                <a:solidFill>
-                  <a:schemeClr val="tx1"/>
-                </a:solidFill>
-              </a:rPr>
-              <a:t>Data pre-processing: nested columns, 25 indexes to analyse, loops to automate the process</a:t>
-            </a:r>
-          </a:p>
-          <a:p>
-            <a:pPr lvl="1" indent="-342900">
-              <a:spcBef>
-                <a:spcPts val="0"/>
-              </a:spcBef>
-              <a:buSzPts val="1800"/>
-              <a:buChar char="●"/>
-            </a:pPr>
-            <a:r>
-              <a:rPr lang="en-AU" dirty="0">
-                <a:solidFill>
-                  <a:schemeClr val="tx1"/>
-                </a:solidFill>
-              </a:rPr>
-              <a:t>Optimisation of trading strategies</a:t>
-            </a:r>
-          </a:p>
-          <a:p>
-            <a:pPr lvl="1" indent="-342900">
-              <a:spcBef>
-                <a:spcPts val="0"/>
-              </a:spcBef>
-              <a:buSzPts val="1800"/>
-              <a:buChar char="●"/>
-            </a:pPr>
-            <a:endParaRPr lang="en-AU" dirty="0">
-              <a:solidFill>
-                <a:schemeClr val="tx1"/>
-              </a:solidFill>
-            </a:endParaRPr>
-          </a:p>
-          <a:p>
-            <a:pPr marL="457200" lvl="0" indent="-342900" algn="l" rtl="0">
-              <a:spcBef>
-                <a:spcPts val="0"/>
-              </a:spcBef>
-              <a:spcAft>
-                <a:spcPts val="0"/>
-              </a:spcAft>
-              <a:buSzPts val="1800"/>
-              <a:buChar char="●"/>
-            </a:pPr>
-            <a:r>
-              <a:rPr lang="en-AU" dirty="0">
-                <a:solidFill>
-                  <a:schemeClr val="tx1"/>
-                </a:solidFill>
-              </a:rPr>
-              <a:t>Successes</a:t>
-            </a:r>
-          </a:p>
-          <a:p>
-            <a:pPr lvl="1" indent="-342900">
-              <a:spcBef>
-                <a:spcPts val="0"/>
-              </a:spcBef>
-              <a:buSzPts val="1800"/>
-              <a:buChar char="●"/>
-            </a:pPr>
-            <a:r>
-              <a:rPr lang="en-AU" dirty="0">
-                <a:solidFill>
-                  <a:schemeClr val="tx1"/>
-                </a:solidFill>
-              </a:rPr>
-              <a:t>Use of negative lag in optimisation significantly improved returns</a:t>
-            </a:r>
-          </a:p>
-          <a:p>
-            <a:pPr lvl="1" indent="-342900">
-              <a:spcBef>
-                <a:spcPts val="0"/>
-              </a:spcBef>
-              <a:buSzPts val="1800"/>
-              <a:buChar char="●"/>
-            </a:pPr>
-            <a:r>
-              <a:rPr lang="en-AU" dirty="0">
-                <a:solidFill>
-                  <a:schemeClr val="tx1"/>
-                </a:solidFill>
-              </a:rPr>
-              <a:t>Machine Learning precision of Random Forrest achieved above 90%</a:t>
-            </a:r>
-          </a:p>
-        </p:txBody>
-      </p:sp>
-    </p:spTree>
-    <p:extLst>
-      <p:ext uri="{BB962C8B-B14F-4D97-AF65-F5344CB8AC3E}">
-        <p14:creationId xmlns:p14="http://schemas.microsoft.com/office/powerpoint/2010/main" val="3383925832"/>
-      </p:ext>
-    </p:extLst>
-  </p:cSld>
-  <p:clrMapOvr>
-    <a:masterClrMapping/>
-  </p:clrMapOvr>
-</p:sld>
-</file>
-
-<file path=ppt/slides/slide5.xml><?xml version="1.0" encoding="utf-8"?>
 <p:sld xmlns:a="http://schemas.openxmlformats.org/drawingml/2006/main" xmlns:r="http://schemas.openxmlformats.org/officeDocument/2006/relationships" xmlns:p="http://schemas.openxmlformats.org/presentationml/2006/main">
   <p:cSld>
     <p:spTree>
@@ -9172,7 +8854,7 @@
             </a:pPr>
             <a:r>
               <a:rPr lang="en" dirty="0"/>
-              <a:t>Code Sequence</a:t>
+              <a:t>Approach</a:t>
             </a:r>
             <a:endParaRPr dirty="0"/>
           </a:p>
@@ -10063,7 +9745,237 @@
 </p:sld>
 </file>
 
-<file path=ppt/slides/slide6.xml><?xml version="1.0" encoding="utf-8"?>
+<file path=ppt/slides/slide4.xml><?xml version="1.0" encoding="utf-8"?>
+<p:sld xmlns:a="http://schemas.openxmlformats.org/drawingml/2006/main" xmlns:r="http://schemas.openxmlformats.org/officeDocument/2006/relationships" xmlns:p="http://schemas.openxmlformats.org/presentationml/2006/main">
+  <p:cSld>
+    <p:spTree>
+      <p:nvGrpSpPr>
+        <p:cNvPr id="1" name=""/>
+        <p:cNvGrpSpPr/>
+        <p:nvPr/>
+      </p:nvGrpSpPr>
+      <p:grpSpPr>
+        <a:xfrm>
+          <a:off x="0" y="0"/>
+          <a:ext cx="0" cy="0"/>
+          <a:chOff x="0" y="0"/>
+          <a:chExt cx="0" cy="0"/>
+        </a:xfrm>
+      </p:grpSpPr>
+      <p:sp>
+        <p:nvSpPr>
+          <p:cNvPr id="4" name="Title 3">
+            <a:extLst>
+              <a:ext uri="{FF2B5EF4-FFF2-40B4-BE49-F238E27FC236}">
+                <a16:creationId xmlns:a16="http://schemas.microsoft.com/office/drawing/2014/main" id="{E4A06C9A-299B-D72B-7E1E-DC3F3B86C0E7}"/>
+              </a:ext>
+            </a:extLst>
+          </p:cNvPr>
+          <p:cNvSpPr>
+            <a:spLocks noGrp="1"/>
+          </p:cNvSpPr>
+          <p:nvPr>
+            <p:ph type="title"/>
+          </p:nvPr>
+        </p:nvSpPr>
+        <p:spPr/>
+        <p:txBody>
+          <a:bodyPr/>
+          <a:lstStyle/>
+          <a:p>
+            <a:r>
+              <a:rPr lang="en-AU" dirty="0"/>
+              <a:t>Challenges</a:t>
+            </a:r>
+          </a:p>
+        </p:txBody>
+      </p:sp>
+      <p:sp>
+        <p:nvSpPr>
+          <p:cNvPr id="5" name="Text Placeholder 4">
+            <a:extLst>
+              <a:ext uri="{FF2B5EF4-FFF2-40B4-BE49-F238E27FC236}">
+                <a16:creationId xmlns:a16="http://schemas.microsoft.com/office/drawing/2014/main" id="{01ACA4A1-9F2E-BE9D-E422-E8A539EEB017}"/>
+              </a:ext>
+            </a:extLst>
+          </p:cNvPr>
+          <p:cNvSpPr>
+            <a:spLocks noGrp="1"/>
+          </p:cNvSpPr>
+          <p:nvPr>
+            <p:ph type="body" idx="1"/>
+          </p:nvPr>
+        </p:nvSpPr>
+        <p:spPr/>
+        <p:txBody>
+          <a:bodyPr/>
+          <a:lstStyle/>
+          <a:p>
+            <a:pPr marL="457200" lvl="0" indent="-342900" algn="l" rtl="0">
+              <a:spcBef>
+                <a:spcPts val="0"/>
+              </a:spcBef>
+              <a:spcAft>
+                <a:spcPts val="0"/>
+              </a:spcAft>
+              <a:buSzPts val="1800"/>
+              <a:buChar char="●"/>
+            </a:pPr>
+            <a:r>
+              <a:rPr lang="en-AU" dirty="0">
+                <a:solidFill>
+                  <a:schemeClr val="tx1"/>
+                </a:solidFill>
+              </a:rPr>
+              <a:t>Challenges: </a:t>
+            </a:r>
+          </a:p>
+          <a:p>
+            <a:pPr lvl="1" indent="-342900">
+              <a:spcBef>
+                <a:spcPts val="0"/>
+              </a:spcBef>
+              <a:buSzPts val="1800"/>
+              <a:buChar char="●"/>
+            </a:pPr>
+            <a:r>
+              <a:rPr lang="en-AU" dirty="0">
+                <a:solidFill>
+                  <a:schemeClr val="tx1"/>
+                </a:solidFill>
+              </a:rPr>
+              <a:t>Data pre-processing: </a:t>
+            </a:r>
+          </a:p>
+          <a:p>
+            <a:pPr lvl="2" indent="-342900">
+              <a:spcBef>
+                <a:spcPts val="0"/>
+              </a:spcBef>
+              <a:buSzPts val="1800"/>
+              <a:buChar char="●"/>
+            </a:pPr>
+            <a:r>
+              <a:rPr lang="en-AU" dirty="0">
+                <a:solidFill>
+                  <a:schemeClr val="tx1"/>
+                </a:solidFill>
+              </a:rPr>
+              <a:t>nested columns, </a:t>
+            </a:r>
+          </a:p>
+          <a:p>
+            <a:pPr lvl="2" indent="-342900">
+              <a:spcBef>
+                <a:spcPts val="0"/>
+              </a:spcBef>
+              <a:buSzPts val="1800"/>
+              <a:buChar char="●"/>
+            </a:pPr>
+            <a:r>
+              <a:rPr lang="en-AU" dirty="0">
+                <a:solidFill>
+                  <a:schemeClr val="tx1"/>
+                </a:solidFill>
+              </a:rPr>
+              <a:t>25 indexes to analyse, </a:t>
+            </a:r>
+          </a:p>
+          <a:p>
+            <a:pPr lvl="2" indent="-342900">
+              <a:spcBef>
+                <a:spcPts val="0"/>
+              </a:spcBef>
+              <a:buSzPts val="1800"/>
+              <a:buChar char="●"/>
+            </a:pPr>
+            <a:r>
+              <a:rPr lang="en-AU" dirty="0">
+                <a:solidFill>
+                  <a:schemeClr val="tx1"/>
+                </a:solidFill>
+              </a:rPr>
+              <a:t>loops to automate the process</a:t>
+            </a:r>
+          </a:p>
+          <a:p>
+            <a:pPr lvl="2" indent="-342900">
+              <a:spcBef>
+                <a:spcPts val="0"/>
+              </a:spcBef>
+              <a:buSzPts val="1800"/>
+              <a:buChar char="●"/>
+            </a:pPr>
+            <a:endParaRPr lang="en-AU" dirty="0">
+              <a:solidFill>
+                <a:schemeClr val="tx1"/>
+              </a:solidFill>
+            </a:endParaRPr>
+          </a:p>
+          <a:p>
+            <a:pPr lvl="1" indent="-342900">
+              <a:spcBef>
+                <a:spcPts val="0"/>
+              </a:spcBef>
+              <a:buSzPts val="1800"/>
+              <a:buChar char="●"/>
+            </a:pPr>
+            <a:r>
+              <a:rPr lang="en-AU" dirty="0">
+                <a:solidFill>
+                  <a:schemeClr val="tx1"/>
+                </a:solidFill>
+              </a:rPr>
+              <a:t>Optimisation of trading strategies: </a:t>
+            </a:r>
+          </a:p>
+          <a:p>
+            <a:pPr lvl="2" indent="-342900">
+              <a:spcBef>
+                <a:spcPts val="0"/>
+              </a:spcBef>
+              <a:buSzPts val="1800"/>
+              <a:buChar char="●"/>
+            </a:pPr>
+            <a:r>
+              <a:rPr lang="en-AU" dirty="0">
+                <a:solidFill>
+                  <a:schemeClr val="tx1"/>
+                </a:solidFill>
+              </a:rPr>
+              <a:t>negative lag used to significantly improved returns</a:t>
+            </a:r>
+          </a:p>
+          <a:p>
+            <a:pPr lvl="1" indent="-342900">
+              <a:spcBef>
+                <a:spcPts val="0"/>
+              </a:spcBef>
+              <a:buSzPts val="1800"/>
+              <a:buChar char="●"/>
+            </a:pPr>
+            <a:endParaRPr lang="en-AU" dirty="0">
+              <a:solidFill>
+                <a:schemeClr val="tx1"/>
+              </a:solidFill>
+            </a:endParaRPr>
+          </a:p>
+        </p:txBody>
+      </p:sp>
+    </p:spTree>
+    <p:extLst>
+      <p:ext uri="{BB962C8B-B14F-4D97-AF65-F5344CB8AC3E}">
+        <p14:creationId xmlns:p14="http://schemas.microsoft.com/office/powerpoint/2010/main" val="3383925832"/>
+      </p:ext>
+    </p:extLst>
+  </p:cSld>
+  <p:clrMapOvr>
+    <a:masterClrMapping/>
+  </p:clrMapOvr>
+</p:sld>
+</file>
+
+<file path=ppt/slides/slide5.xml><?xml version="1.0" encoding="utf-8"?>
 <p:sld xmlns:a="http://schemas.openxmlformats.org/drawingml/2006/main" xmlns:r="http://schemas.openxmlformats.org/officeDocument/2006/relationships" xmlns:p="http://schemas.openxmlformats.org/presentationml/2006/main">
   <p:cSld>
     <p:bg>
@@ -10262,14 +10174,14 @@
           <p:nvPr>
             <p:extLst>
               <p:ext uri="{D42A27DB-BD31-4B8C-83A1-F6EECF244321}">
-                <p14:modId xmlns:p14="http://schemas.microsoft.com/office/powerpoint/2010/main" val="2480806025"/>
+                <p14:modId xmlns:p14="http://schemas.microsoft.com/office/powerpoint/2010/main" val="2327772448"/>
               </p:ext>
             </p:extLst>
           </p:nvPr>
         </p:nvGraphicFramePr>
         <p:xfrm>
           <a:off x="71668" y="750236"/>
-          <a:ext cx="6024246" cy="1407160"/>
+          <a:ext cx="6024246" cy="1554480"/>
         </p:xfrm>
         <a:graphic>
           <a:graphicData uri="http://schemas.openxmlformats.org/drawingml/2006/table">
@@ -10285,14 +10197,14 @@
                     </a:ext>
                   </a:extLst>
                 </a:gridCol>
-                <a:gridCol w="1543368">
+                <a:gridCol w="1697641">
                   <a:extLst>
                     <a:ext uri="{9D8B030D-6E8A-4147-A177-3AD203B41FA5}">
                       <a16:colId xmlns:a16="http://schemas.microsoft.com/office/drawing/2014/main" val="2702465182"/>
                     </a:ext>
                   </a:extLst>
                 </a:gridCol>
-                <a:gridCol w="1602105">
+                <a:gridCol w="1447832">
                   <a:extLst>
                     <a:ext uri="{9D8B030D-6E8A-4147-A177-3AD203B41FA5}">
                       <a16:colId xmlns:a16="http://schemas.microsoft.com/office/drawing/2014/main" val="1807312901"/>
@@ -10329,6 +10241,12 @@
                       <a:r>
                         <a:rPr lang="en-AU" dirty="0"/>
                         <a:t>Optimised EMA</a:t>
+                      </a:r>
+                    </a:p>
+                    <a:p>
+                      <a:r>
+                        <a:rPr lang="en-AU" dirty="0"/>
+                        <a:t>(Training Signals)</a:t>
                       </a:r>
                     </a:p>
                   </a:txBody>
@@ -10962,7 +10880,7 @@
                     <a:p>
                       <a:pPr algn="r" fontAlgn="b"/>
                       <a:r>
-                        <a:rPr lang="en-AU" sz="1100" b="0" u="none" strike="noStrike">
+                        <a:rPr lang="en-AU" sz="1100" b="0" u="none" strike="noStrike" dirty="0">
                           <a:solidFill>
                             <a:srgbClr val="000000"/>
                           </a:solidFill>
@@ -10970,7 +10888,7 @@
                         </a:rPr>
                         <a:t>86%</a:t>
                       </a:r>
-                      <a:endParaRPr lang="en-AU" sz="1100" b="0" i="0" u="none" strike="noStrike">
+                      <a:endParaRPr lang="en-AU" sz="1100" b="0" i="0" u="none" strike="noStrike" dirty="0">
                         <a:solidFill>
                           <a:srgbClr val="000000"/>
                         </a:solidFill>
@@ -10988,7 +10906,7 @@
                     <a:p>
                       <a:pPr algn="r" fontAlgn="b"/>
                       <a:r>
-                        <a:rPr lang="en-AU" sz="1100" b="0" u="none" strike="noStrike">
+                        <a:rPr lang="en-AU" sz="1100" b="0" u="none" strike="noStrike" dirty="0">
                           <a:solidFill>
                             <a:srgbClr val="000000"/>
                           </a:solidFill>
@@ -10996,7 +10914,7 @@
                         </a:rPr>
                         <a:t>86%</a:t>
                       </a:r>
-                      <a:endParaRPr lang="en-AU" sz="1100" b="0" i="0" u="none" strike="noStrike">
+                      <a:endParaRPr lang="en-AU" sz="1100" b="0" i="0" u="none" strike="noStrike" dirty="0">
                         <a:solidFill>
                           <a:srgbClr val="000000"/>
                         </a:solidFill>
@@ -11510,7 +11428,7 @@
                     <a:p>
                       <a:pPr algn="r" fontAlgn="b"/>
                       <a:r>
-                        <a:rPr lang="en-AU" sz="1100" b="0" u="none" strike="noStrike">
+                        <a:rPr lang="en-AU" sz="1100" b="0" u="none" strike="noStrike" dirty="0">
                           <a:solidFill>
                             <a:srgbClr val="000000"/>
                           </a:solidFill>
@@ -11518,7 +11436,7 @@
                         </a:rPr>
                         <a:t>93%</a:t>
                       </a:r>
-                      <a:endParaRPr lang="en-AU" sz="1100" b="0" i="0" u="none" strike="noStrike">
+                      <a:endParaRPr lang="en-AU" sz="1100" b="0" i="0" u="none" strike="noStrike" dirty="0">
                         <a:solidFill>
                           <a:srgbClr val="000000"/>
                         </a:solidFill>
@@ -11647,7 +11565,7 @@
                     <a:p>
                       <a:pPr algn="r" fontAlgn="b"/>
                       <a:r>
-                        <a:rPr lang="en-AU" sz="1100" b="0" u="none" strike="noStrike">
+                        <a:rPr lang="en-AU" sz="1100" b="0" u="none" strike="noStrike" dirty="0">
                           <a:solidFill>
                             <a:srgbClr val="000000"/>
                           </a:solidFill>
@@ -11655,7 +11573,7 @@
                         </a:rPr>
                         <a:t>77%</a:t>
                       </a:r>
-                      <a:endParaRPr lang="en-AU" sz="1100" b="0" i="0" u="none" strike="noStrike">
+                      <a:endParaRPr lang="en-AU" sz="1100" b="0" i="0" u="none" strike="noStrike" dirty="0">
                         <a:solidFill>
                           <a:srgbClr val="000000"/>
                         </a:solidFill>
@@ -11673,7 +11591,7 @@
                     <a:p>
                       <a:pPr algn="r" fontAlgn="b"/>
                       <a:r>
-                        <a:rPr lang="en-AU" sz="1100" b="0" u="none" strike="noStrike">
+                        <a:rPr lang="en-AU" sz="1100" b="0" u="none" strike="noStrike" dirty="0">
                           <a:solidFill>
                             <a:srgbClr val="000000"/>
                           </a:solidFill>
@@ -11681,7 +11599,7 @@
                         </a:rPr>
                         <a:t>78%</a:t>
                       </a:r>
-                      <a:endParaRPr lang="en-AU" sz="1100" b="0" i="0" u="none" strike="noStrike">
+                      <a:endParaRPr lang="en-AU" sz="1100" b="0" i="0" u="none" strike="noStrike" dirty="0">
                         <a:solidFill>
                           <a:srgbClr val="000000"/>
                         </a:solidFill>
@@ -11784,7 +11702,7 @@
                     <a:p>
                       <a:pPr algn="r" fontAlgn="b"/>
                       <a:r>
-                        <a:rPr lang="en-AU" sz="1100" b="0" u="none" strike="noStrike">
+                        <a:rPr lang="en-AU" sz="1100" b="0" u="none" strike="noStrike" dirty="0">
                           <a:solidFill>
                             <a:srgbClr val="000000"/>
                           </a:solidFill>
@@ -11792,7 +11710,7 @@
                         </a:rPr>
                         <a:t>86%</a:t>
                       </a:r>
-                      <a:endParaRPr lang="en-AU" sz="1100" b="0" i="0" u="none" strike="noStrike">
+                      <a:endParaRPr lang="en-AU" sz="1100" b="0" i="0" u="none" strike="noStrike" dirty="0">
                         <a:solidFill>
                           <a:srgbClr val="000000"/>
                         </a:solidFill>
@@ -12043,13 +11961,13 @@
           <p:nvPr>
             <p:extLst>
               <p:ext uri="{D42A27DB-BD31-4B8C-83A1-F6EECF244321}">
-                <p14:modId xmlns:p14="http://schemas.microsoft.com/office/powerpoint/2010/main" val="2245342335"/>
+                <p14:modId xmlns:p14="http://schemas.microsoft.com/office/powerpoint/2010/main" val="3620342460"/>
               </p:ext>
             </p:extLst>
           </p:nvPr>
         </p:nvGraphicFramePr>
         <p:xfrm>
-          <a:off x="5126922" y="2184788"/>
+          <a:off x="5137392" y="2304716"/>
           <a:ext cx="3779753" cy="2818941"/>
         </p:xfrm>
         <a:graphic>
@@ -12066,7 +11984,7 @@
 </p:sld>
 </file>
 
-<file path=ppt/slides/slide7.xml><?xml version="1.0" encoding="utf-8"?>
+<file path=ppt/slides/slide6.xml><?xml version="1.0" encoding="utf-8"?>
 <p:sld xmlns:a="http://schemas.openxmlformats.org/drawingml/2006/main" xmlns:r="http://schemas.openxmlformats.org/officeDocument/2006/relationships" xmlns:p="http://schemas.openxmlformats.org/presentationml/2006/main">
   <p:cSld>
     <p:spTree>
@@ -12294,6 +12212,26 @@
               <a:buSzPts val="1800"/>
               <a:buChar char="●"/>
             </a:pPr>
+            <a:r>
+              <a:rPr lang="en-US" dirty="0">
+                <a:solidFill>
+                  <a:schemeClr val="tx1"/>
+                </a:solidFill>
+              </a:rPr>
+              <a:t>Timeframe</a:t>
+            </a:r>
+          </a:p>
+          <a:p>
+            <a:pPr marL="457200" lvl="0" indent="-342900" algn="l" rtl="0">
+              <a:spcBef>
+                <a:spcPts val="0"/>
+              </a:spcBef>
+              <a:spcAft>
+                <a:spcPts val="0"/>
+              </a:spcAft>
+              <a:buSzPts val="1800"/>
+              <a:buChar char="●"/>
+            </a:pPr>
             <a:endParaRPr lang="en-US" dirty="0">
               <a:solidFill>
                 <a:schemeClr val="tx1"/>
@@ -12311,6 +12249,14 @@
               <a:buSzPts val="1800"/>
               <a:buChar char="●"/>
             </a:pPr>
+            <a:r>
+              <a:rPr lang="en-AU" dirty="0">
+                <a:solidFill>
+                  <a:schemeClr val="tx1"/>
+                </a:solidFill>
+              </a:rPr>
+              <a:t>Fun was had by all!</a:t>
+            </a:r>
             <a:endParaRPr dirty="0">
               <a:solidFill>
                 <a:schemeClr val="tx1"/>
@@ -12320,6 +12266,69 @@
         </p:txBody>
       </p:sp>
     </p:spTree>
+  </p:cSld>
+  <p:clrMapOvr>
+    <a:masterClrMapping/>
+  </p:clrMapOvr>
+</p:sld>
+</file>
+
+<file path=ppt/slides/slide7.xml><?xml version="1.0" encoding="utf-8"?>
+<p:sld xmlns:a="http://schemas.openxmlformats.org/drawingml/2006/main" xmlns:r="http://schemas.openxmlformats.org/officeDocument/2006/relationships" xmlns:p="http://schemas.openxmlformats.org/presentationml/2006/main">
+  <p:cSld>
+    <p:spTree>
+      <p:nvGrpSpPr>
+        <p:cNvPr id="1" name=""/>
+        <p:cNvGrpSpPr/>
+        <p:nvPr/>
+      </p:nvGrpSpPr>
+      <p:grpSpPr>
+        <a:xfrm>
+          <a:off x="0" y="0"/>
+          <a:ext cx="0" cy="0"/>
+          <a:chOff x="0" y="0"/>
+          <a:chExt cx="0" cy="0"/>
+        </a:xfrm>
+      </p:grpSpPr>
+      <p:sp>
+        <p:nvSpPr>
+          <p:cNvPr id="7" name="Title 6">
+            <a:extLst>
+              <a:ext uri="{FF2B5EF4-FFF2-40B4-BE49-F238E27FC236}">
+                <a16:creationId xmlns:a16="http://schemas.microsoft.com/office/drawing/2014/main" id="{B7E63DD8-0409-E536-429C-CD6D99B85200}"/>
+              </a:ext>
+            </a:extLst>
+          </p:cNvPr>
+          <p:cNvSpPr>
+            <a:spLocks noGrp="1"/>
+          </p:cNvSpPr>
+          <p:nvPr>
+            <p:ph type="title"/>
+          </p:nvPr>
+        </p:nvSpPr>
+        <p:spPr>
+          <a:xfrm>
+            <a:off x="2817574" y="1796626"/>
+            <a:ext cx="2839840" cy="572700"/>
+          </a:xfrm>
+        </p:spPr>
+        <p:txBody>
+          <a:bodyPr/>
+          <a:lstStyle/>
+          <a:p>
+            <a:r>
+              <a:rPr lang="en-AU" dirty="0"/>
+              <a:t>Question Time?</a:t>
+            </a:r>
+          </a:p>
+        </p:txBody>
+      </p:sp>
+    </p:spTree>
+    <p:extLst>
+      <p:ext uri="{BB962C8B-B14F-4D97-AF65-F5344CB8AC3E}">
+        <p14:creationId xmlns:p14="http://schemas.microsoft.com/office/powerpoint/2010/main" val="3395523222"/>
+      </p:ext>
+    </p:extLst>
   </p:cSld>
   <p:clrMapOvr>
     <a:masterClrMapping/>

--- a/Group 5 Presentation.pptx
+++ b/Group 5 Presentation.pptx
@@ -268,7 +268,7 @@
   <pc:docChgLst>
     <pc:chgData name="Matthew Lewis" userId="66f1d89555a33060" providerId="LiveId" clId="{893224A0-A878-4131-98A6-7DAF10E9EDA8}"/>
     <pc:docChg chg="undo custSel addSld delSld modSld sldOrd">
-      <pc:chgData name="Matthew Lewis" userId="66f1d89555a33060" providerId="LiveId" clId="{893224A0-A878-4131-98A6-7DAF10E9EDA8}" dt="2022-07-13T12:29:51.170" v="895" actId="20577"/>
+      <pc:chgData name="Matthew Lewis" userId="66f1d89555a33060" providerId="LiveId" clId="{893224A0-A878-4131-98A6-7DAF10E9EDA8}" dt="2022-07-14T08:19:18.880" v="906" actId="207"/>
       <pc:docMkLst>
         <pc:docMk/>
       </pc:docMkLst>
@@ -288,7 +288,7 @@
         </pc:spChg>
       </pc:sldChg>
       <pc:sldChg chg="modSp mod ord modNotesTx">
-        <pc:chgData name="Matthew Lewis" userId="66f1d89555a33060" providerId="LiveId" clId="{893224A0-A878-4131-98A6-7DAF10E9EDA8}" dt="2022-07-13T11:55:38.644" v="45"/>
+        <pc:chgData name="Matthew Lewis" userId="66f1d89555a33060" providerId="LiveId" clId="{893224A0-A878-4131-98A6-7DAF10E9EDA8}" dt="2022-07-14T08:19:18.880" v="906" actId="207"/>
         <pc:sldMkLst>
           <pc:docMk/>
           <pc:sldMk cId="0" sldId="259"/>
@@ -301,6 +301,38 @@
             <ac:spMk id="71" creationId="{00000000-0000-0000-0000-000000000000}"/>
           </ac:spMkLst>
         </pc:spChg>
+        <pc:spChg chg="mod">
+          <ac:chgData name="Matthew Lewis" userId="66f1d89555a33060" providerId="LiveId" clId="{893224A0-A878-4131-98A6-7DAF10E9EDA8}" dt="2022-07-14T08:19:18.880" v="906" actId="207"/>
+          <ac:spMkLst>
+            <pc:docMk/>
+            <pc:sldMk cId="0" sldId="259"/>
+            <ac:spMk id="72" creationId="{00000000-0000-0000-0000-000000000000}"/>
+          </ac:spMkLst>
+        </pc:spChg>
+        <pc:grpChg chg="mod">
+          <ac:chgData name="Matthew Lewis" userId="66f1d89555a33060" providerId="LiveId" clId="{893224A0-A878-4131-98A6-7DAF10E9EDA8}" dt="2022-07-14T08:09:02.248" v="898" actId="1076"/>
+          <ac:grpSpMkLst>
+            <pc:docMk/>
+            <pc:sldMk cId="0" sldId="259"/>
+            <ac:grpSpMk id="4" creationId="{A65CB986-08E1-339F-3B8E-E2ABEAA1BE22}"/>
+          </ac:grpSpMkLst>
+        </pc:grpChg>
+        <pc:grpChg chg="mod">
+          <ac:chgData name="Matthew Lewis" userId="66f1d89555a33060" providerId="LiveId" clId="{893224A0-A878-4131-98A6-7DAF10E9EDA8}" dt="2022-07-14T08:08:54.137" v="897" actId="1076"/>
+          <ac:grpSpMkLst>
+            <pc:docMk/>
+            <pc:sldMk cId="0" sldId="259"/>
+            <ac:grpSpMk id="5" creationId="{06726579-6396-2977-8F37-F364FD6C21C4}"/>
+          </ac:grpSpMkLst>
+        </pc:grpChg>
+        <pc:grpChg chg="mod">
+          <ac:chgData name="Matthew Lewis" userId="66f1d89555a33060" providerId="LiveId" clId="{893224A0-A878-4131-98A6-7DAF10E9EDA8}" dt="2022-07-14T08:10:04.788" v="900" actId="1076"/>
+          <ac:grpSpMkLst>
+            <pc:docMk/>
+            <pc:sldMk cId="0" sldId="259"/>
+            <ac:grpSpMk id="32" creationId="{10E9EB21-8EDA-912F-EC8A-AF3B7F8DC5B5}"/>
+          </ac:grpSpMkLst>
+        </pc:grpChg>
       </pc:sldChg>
       <pc:sldChg chg="modSp del mod">
         <pc:chgData name="Matthew Lewis" userId="66f1d89555a33060" providerId="LiveId" clId="{893224A0-A878-4131-98A6-7DAF10E9EDA8}" dt="2022-07-13T11:55:43.927" v="46" actId="2696"/>
@@ -341,13 +373,13 @@
         </pc:graphicFrameChg>
       </pc:sldChg>
       <pc:sldChg chg="modSp mod">
-        <pc:chgData name="Matthew Lewis" userId="66f1d89555a33060" providerId="LiveId" clId="{893224A0-A878-4131-98A6-7DAF10E9EDA8}" dt="2022-07-13T12:13:24.405" v="157" actId="20577"/>
+        <pc:chgData name="Matthew Lewis" userId="66f1d89555a33060" providerId="LiveId" clId="{893224A0-A878-4131-98A6-7DAF10E9EDA8}" dt="2022-07-14T08:16:07.923" v="904" actId="20577"/>
         <pc:sldMkLst>
           <pc:docMk/>
           <pc:sldMk cId="0" sldId="263"/>
         </pc:sldMkLst>
         <pc:spChg chg="mod">
-          <ac:chgData name="Matthew Lewis" userId="66f1d89555a33060" providerId="LiveId" clId="{893224A0-A878-4131-98A6-7DAF10E9EDA8}" dt="2022-07-13T12:13:24.405" v="157" actId="20577"/>
+          <ac:chgData name="Matthew Lewis" userId="66f1d89555a33060" providerId="LiveId" clId="{893224A0-A878-4131-98A6-7DAF10E9EDA8}" dt="2022-07-14T08:16:07.923" v="904" actId="20577"/>
           <ac:spMkLst>
             <pc:docMk/>
             <pc:sldMk cId="0" sldId="263"/>
@@ -9048,7 +9080,7 @@
         </p:nvGrpSpPr>
         <p:grpSpPr>
           <a:xfrm>
-            <a:off x="1649819" y="3039908"/>
+            <a:off x="3155704" y="1730776"/>
             <a:ext cx="1721152" cy="951118"/>
             <a:chOff x="2747099" y="2647589"/>
             <a:chExt cx="1721152" cy="951118"/>
@@ -9166,7 +9198,7 @@
         </p:nvGrpSpPr>
         <p:grpSpPr>
           <a:xfrm>
-            <a:off x="3144818" y="1730776"/>
+            <a:off x="1635154" y="3019317"/>
             <a:ext cx="1721152" cy="958451"/>
             <a:chOff x="4956201" y="2647589"/>
             <a:chExt cx="1721152" cy="958451"/>
@@ -9413,7 +9445,7 @@
         </p:nvGrpSpPr>
         <p:grpSpPr>
           <a:xfrm>
-            <a:off x="6549870" y="1730776"/>
+            <a:off x="6211333" y="1738749"/>
             <a:ext cx="1721152" cy="863939"/>
             <a:chOff x="7050612" y="2647589"/>
             <a:chExt cx="1721152" cy="863939"/>
@@ -12084,7 +12116,7 @@
                   <a:schemeClr val="tx1"/>
                 </a:solidFill>
               </a:rPr>
-              <a:t>Despite High Model Accuracy the Algo Trading results were poor</a:t>
+              <a:t>Despite High Model Accuracy the ML Algo Trading results were poor</a:t>
             </a:r>
           </a:p>
           <a:p>
@@ -12133,7 +12165,7 @@
               <a:buChar char="●"/>
             </a:pPr>
             <a:r>
-              <a:rPr lang="en-US" dirty="0">
+              <a:rPr lang="en-US" b="1" dirty="0">
                 <a:solidFill>
                   <a:schemeClr val="tx1"/>
                 </a:solidFill>
